--- a/中越詩歌/恩主頌_Bài ca ơn Chúa.pptx
+++ b/中越詩歌/恩主頌_Bài ca ơn Chúa.pptx
@@ -302,7 +302,7 @@
           <a:p>
             <a:fld id="{4708DAAA-A60A-4649-A77A-7F12CC5C96A6}" type="datetimeFigureOut">
               <a:rPr lang="vi-VN" smtClean="0"/>
-              <a:t>02/08/2022</a:t>
+              <a:t>28/10/2023</a:t>
             </a:fld>
             <a:endParaRPr lang="vi-VN"/>
           </a:p>
@@ -472,7 +472,7 @@
           <a:p>
             <a:fld id="{4708DAAA-A60A-4649-A77A-7F12CC5C96A6}" type="datetimeFigureOut">
               <a:rPr lang="vi-VN" smtClean="0"/>
-              <a:t>02/08/2022</a:t>
+              <a:t>28/10/2023</a:t>
             </a:fld>
             <a:endParaRPr lang="vi-VN"/>
           </a:p>
@@ -652,7 +652,7 @@
           <a:p>
             <a:fld id="{4708DAAA-A60A-4649-A77A-7F12CC5C96A6}" type="datetimeFigureOut">
               <a:rPr lang="vi-VN" smtClean="0"/>
-              <a:t>02/08/2022</a:t>
+              <a:t>28/10/2023</a:t>
             </a:fld>
             <a:endParaRPr lang="vi-VN"/>
           </a:p>
@@ -822,7 +822,7 @@
           <a:p>
             <a:fld id="{4708DAAA-A60A-4649-A77A-7F12CC5C96A6}" type="datetimeFigureOut">
               <a:rPr lang="vi-VN" smtClean="0"/>
-              <a:t>02/08/2022</a:t>
+              <a:t>28/10/2023</a:t>
             </a:fld>
             <a:endParaRPr lang="vi-VN"/>
           </a:p>
@@ -1068,7 +1068,7 @@
           <a:p>
             <a:fld id="{4708DAAA-A60A-4649-A77A-7F12CC5C96A6}" type="datetimeFigureOut">
               <a:rPr lang="vi-VN" smtClean="0"/>
-              <a:t>02/08/2022</a:t>
+              <a:t>28/10/2023</a:t>
             </a:fld>
             <a:endParaRPr lang="vi-VN"/>
           </a:p>
@@ -1356,7 +1356,7 @@
           <a:p>
             <a:fld id="{4708DAAA-A60A-4649-A77A-7F12CC5C96A6}" type="datetimeFigureOut">
               <a:rPr lang="vi-VN" smtClean="0"/>
-              <a:t>02/08/2022</a:t>
+              <a:t>28/10/2023</a:t>
             </a:fld>
             <a:endParaRPr lang="vi-VN"/>
           </a:p>
@@ -1778,7 +1778,7 @@
           <a:p>
             <a:fld id="{4708DAAA-A60A-4649-A77A-7F12CC5C96A6}" type="datetimeFigureOut">
               <a:rPr lang="vi-VN" smtClean="0"/>
-              <a:t>02/08/2022</a:t>
+              <a:t>28/10/2023</a:t>
             </a:fld>
             <a:endParaRPr lang="vi-VN"/>
           </a:p>
@@ -1896,7 +1896,7 @@
           <a:p>
             <a:fld id="{4708DAAA-A60A-4649-A77A-7F12CC5C96A6}" type="datetimeFigureOut">
               <a:rPr lang="vi-VN" smtClean="0"/>
-              <a:t>02/08/2022</a:t>
+              <a:t>28/10/2023</a:t>
             </a:fld>
             <a:endParaRPr lang="vi-VN"/>
           </a:p>
@@ -1991,7 +1991,7 @@
           <a:p>
             <a:fld id="{4708DAAA-A60A-4649-A77A-7F12CC5C96A6}" type="datetimeFigureOut">
               <a:rPr lang="vi-VN" smtClean="0"/>
-              <a:t>02/08/2022</a:t>
+              <a:t>28/10/2023</a:t>
             </a:fld>
             <a:endParaRPr lang="vi-VN"/>
           </a:p>
@@ -2268,7 +2268,7 @@
           <a:p>
             <a:fld id="{4708DAAA-A60A-4649-A77A-7F12CC5C96A6}" type="datetimeFigureOut">
               <a:rPr lang="vi-VN" smtClean="0"/>
-              <a:t>02/08/2022</a:t>
+              <a:t>28/10/2023</a:t>
             </a:fld>
             <a:endParaRPr lang="vi-VN"/>
           </a:p>
@@ -2525,7 +2525,7 @@
           <a:p>
             <a:fld id="{4708DAAA-A60A-4649-A77A-7F12CC5C96A6}" type="datetimeFigureOut">
               <a:rPr lang="vi-VN" smtClean="0"/>
-              <a:t>02/08/2022</a:t>
+              <a:t>28/10/2023</a:t>
             </a:fld>
             <a:endParaRPr lang="vi-VN"/>
           </a:p>
@@ -2743,7 +2743,7 @@
           <a:p>
             <a:fld id="{4708DAAA-A60A-4649-A77A-7F12CC5C96A6}" type="datetimeFigureOut">
               <a:rPr lang="vi-VN" smtClean="0"/>
-              <a:t>02/08/2022</a:t>
+              <a:t>28/10/2023</a:t>
             </a:fld>
             <a:endParaRPr lang="vi-VN"/>
           </a:p>
@@ -3524,7 +3524,7 @@
                 <a:ea typeface="微軟正黑體" pitchFamily="34" charset="-120"/>
                 <a:cs typeface="Calibri" panose="020F0502020204030204" pitchFamily="34" charset="0"/>
               </a:rPr>
-              <a:t>Nguyện xin Chúa ban phước cho bạn</a:t>
+              <a:t>Nguyện Chúa ban phước lành cho bạn</a:t>
             </a:r>
             <a:endParaRPr lang="en-US" sz="4000" b="1" dirty="0">
               <a:solidFill>
@@ -3855,26 +3855,169 @@
               <a:buNone/>
             </a:pPr>
             <a:r>
-              <a:rPr lang="vi-VN" sz="4000" b="1" dirty="0" smtClean="0">
-                <a:solidFill>
-                  <a:srgbClr val="660033"/>
-                </a:solidFill>
-                <a:latin typeface="Calibri" panose="020F0502020204030204" pitchFamily="34" charset="0"/>
-                <a:ea typeface="微軟正黑體" pitchFamily="34" charset="-120"/>
-                <a:cs typeface="Calibri" panose="020F0502020204030204" pitchFamily="34" charset="0"/>
-              </a:rPr>
-              <a:t>Tình </a:t>
-            </a:r>
-            <a:r>
-              <a:rPr lang="vi-VN" sz="4000" b="1" dirty="0">
-                <a:solidFill>
-                  <a:srgbClr val="660033"/>
-                </a:solidFill>
-                <a:latin typeface="Calibri" panose="020F0502020204030204" pitchFamily="34" charset="0"/>
-                <a:ea typeface="微軟正黑體" pitchFamily="34" charset="-120"/>
-                <a:cs typeface="Calibri" panose="020F0502020204030204" pitchFamily="34" charset="0"/>
-              </a:rPr>
-              <a:t>yêu của Chúa Giê-su là tuyệt vời nhất thế gian</a:t>
+              <a:rPr lang="en-US" sz="4000" b="1" dirty="0" err="1">
+                <a:solidFill>
+                  <a:srgbClr val="660033"/>
+                </a:solidFill>
+                <a:latin typeface="Calibri" panose="020F0502020204030204" pitchFamily="34" charset="0"/>
+                <a:ea typeface="微軟正黑體" pitchFamily="34" charset="-120"/>
+                <a:cs typeface="Calibri" panose="020F0502020204030204" pitchFamily="34" charset="0"/>
+              </a:rPr>
+              <a:t>Tình</a:t>
+            </a:r>
+            <a:r>
+              <a:rPr lang="en-US" sz="4000" b="1" dirty="0">
+                <a:solidFill>
+                  <a:srgbClr val="660033"/>
+                </a:solidFill>
+                <a:latin typeface="Calibri" panose="020F0502020204030204" pitchFamily="34" charset="0"/>
+                <a:ea typeface="微軟正黑體" pitchFamily="34" charset="-120"/>
+                <a:cs typeface="Calibri" panose="020F0502020204030204" pitchFamily="34" charset="0"/>
+              </a:rPr>
+              <a:t> </a:t>
+            </a:r>
+            <a:r>
+              <a:rPr lang="en-US" sz="4000" b="1" dirty="0" err="1">
+                <a:solidFill>
+                  <a:srgbClr val="660033"/>
+                </a:solidFill>
+                <a:latin typeface="Calibri" panose="020F0502020204030204" pitchFamily="34" charset="0"/>
+                <a:ea typeface="微軟正黑體" pitchFamily="34" charset="-120"/>
+                <a:cs typeface="Calibri" panose="020F0502020204030204" pitchFamily="34" charset="0"/>
+              </a:rPr>
+              <a:t>yêu</a:t>
+            </a:r>
+            <a:r>
+              <a:rPr lang="en-US" sz="4000" b="1" dirty="0">
+                <a:solidFill>
+                  <a:srgbClr val="660033"/>
+                </a:solidFill>
+                <a:latin typeface="Calibri" panose="020F0502020204030204" pitchFamily="34" charset="0"/>
+                <a:ea typeface="微軟正黑體" pitchFamily="34" charset="-120"/>
+                <a:cs typeface="Calibri" panose="020F0502020204030204" pitchFamily="34" charset="0"/>
+              </a:rPr>
+              <a:t> </a:t>
+            </a:r>
+            <a:r>
+              <a:rPr lang="en-US" sz="4000" b="1" dirty="0" err="1">
+                <a:solidFill>
+                  <a:srgbClr val="660033"/>
+                </a:solidFill>
+                <a:latin typeface="Calibri" panose="020F0502020204030204" pitchFamily="34" charset="0"/>
+                <a:ea typeface="微軟正黑體" pitchFamily="34" charset="-120"/>
+                <a:cs typeface="Calibri" panose="020F0502020204030204" pitchFamily="34" charset="0"/>
+              </a:rPr>
+              <a:t>Chúa</a:t>
+            </a:r>
+            <a:r>
+              <a:rPr lang="en-US" sz="4000" b="1" dirty="0">
+                <a:solidFill>
+                  <a:srgbClr val="660033"/>
+                </a:solidFill>
+                <a:latin typeface="Calibri" panose="020F0502020204030204" pitchFamily="34" charset="0"/>
+                <a:ea typeface="微軟正黑體" pitchFamily="34" charset="-120"/>
+                <a:cs typeface="Calibri" panose="020F0502020204030204" pitchFamily="34" charset="0"/>
+              </a:rPr>
+              <a:t> </a:t>
+            </a:r>
+            <a:r>
+              <a:rPr lang="en-US" sz="4000" b="1" dirty="0" err="1">
+                <a:solidFill>
+                  <a:srgbClr val="660033"/>
+                </a:solidFill>
+                <a:latin typeface="Calibri" panose="020F0502020204030204" pitchFamily="34" charset="0"/>
+                <a:ea typeface="微軟正黑體" pitchFamily="34" charset="-120"/>
+                <a:cs typeface="Calibri" panose="020F0502020204030204" pitchFamily="34" charset="0"/>
+              </a:rPr>
+              <a:t>Giê-su</a:t>
+            </a:r>
+            <a:r>
+              <a:rPr lang="en-US" sz="4000" b="1" dirty="0">
+                <a:solidFill>
+                  <a:srgbClr val="660033"/>
+                </a:solidFill>
+                <a:latin typeface="Calibri" panose="020F0502020204030204" pitchFamily="34" charset="0"/>
+                <a:ea typeface="微軟正黑體" pitchFamily="34" charset="-120"/>
+                <a:cs typeface="Calibri" panose="020F0502020204030204" pitchFamily="34" charset="0"/>
+              </a:rPr>
+              <a:t> </a:t>
+            </a:r>
+            <a:r>
+              <a:rPr lang="en-US" sz="4000" b="1" dirty="0" err="1">
+                <a:solidFill>
+                  <a:srgbClr val="660033"/>
+                </a:solidFill>
+                <a:latin typeface="Calibri" panose="020F0502020204030204" pitchFamily="34" charset="0"/>
+                <a:ea typeface="微軟正黑體" pitchFamily="34" charset="-120"/>
+                <a:cs typeface="Calibri" panose="020F0502020204030204" pitchFamily="34" charset="0"/>
+              </a:rPr>
+              <a:t>tốt</a:t>
+            </a:r>
+            <a:r>
+              <a:rPr lang="en-US" sz="4000" b="1" dirty="0">
+                <a:solidFill>
+                  <a:srgbClr val="660033"/>
+                </a:solidFill>
+                <a:latin typeface="Calibri" panose="020F0502020204030204" pitchFamily="34" charset="0"/>
+                <a:ea typeface="微軟正黑體" pitchFamily="34" charset="-120"/>
+                <a:cs typeface="Calibri" panose="020F0502020204030204" pitchFamily="34" charset="0"/>
+              </a:rPr>
+              <a:t> </a:t>
+            </a:r>
+            <a:r>
+              <a:rPr lang="en-US" sz="4000" b="1" dirty="0" err="1">
+                <a:solidFill>
+                  <a:srgbClr val="660033"/>
+                </a:solidFill>
+                <a:latin typeface="Calibri" panose="020F0502020204030204" pitchFamily="34" charset="0"/>
+                <a:ea typeface="微軟正黑體" pitchFamily="34" charset="-120"/>
+                <a:cs typeface="Calibri" panose="020F0502020204030204" pitchFamily="34" charset="0"/>
+              </a:rPr>
+              <a:t>nhất</a:t>
+            </a:r>
+            <a:r>
+              <a:rPr lang="en-US" sz="4000" b="1" dirty="0">
+                <a:solidFill>
+                  <a:srgbClr val="660033"/>
+                </a:solidFill>
+                <a:latin typeface="Calibri" panose="020F0502020204030204" pitchFamily="34" charset="0"/>
+                <a:ea typeface="微軟正黑體" pitchFamily="34" charset="-120"/>
+                <a:cs typeface="Calibri" panose="020F0502020204030204" pitchFamily="34" charset="0"/>
+              </a:rPr>
+              <a:t> </a:t>
+            </a:r>
+            <a:r>
+              <a:rPr lang="en-US" sz="4000" b="1" dirty="0" err="1">
+                <a:solidFill>
+                  <a:srgbClr val="660033"/>
+                </a:solidFill>
+                <a:latin typeface="Calibri" panose="020F0502020204030204" pitchFamily="34" charset="0"/>
+                <a:ea typeface="微軟正黑體" pitchFamily="34" charset="-120"/>
+                <a:cs typeface="Calibri" panose="020F0502020204030204" pitchFamily="34" charset="0"/>
+              </a:rPr>
+              <a:t>thế</a:t>
+            </a:r>
+            <a:r>
+              <a:rPr lang="en-US" sz="4000" b="1" dirty="0">
+                <a:solidFill>
+                  <a:srgbClr val="660033"/>
+                </a:solidFill>
+                <a:latin typeface="Calibri" panose="020F0502020204030204" pitchFamily="34" charset="0"/>
+                <a:ea typeface="微軟正黑體" pitchFamily="34" charset="-120"/>
+                <a:cs typeface="Calibri" panose="020F0502020204030204" pitchFamily="34" charset="0"/>
+              </a:rPr>
+              <a:t> </a:t>
+            </a:r>
+            <a:r>
+              <a:rPr lang="en-US" sz="4000" b="1" dirty="0" err="1">
+                <a:solidFill>
+                  <a:srgbClr val="660033"/>
+                </a:solidFill>
+                <a:latin typeface="Calibri" panose="020F0502020204030204" pitchFamily="34" charset="0"/>
+                <a:ea typeface="微軟正黑體" pitchFamily="34" charset="-120"/>
+                <a:cs typeface="Calibri" panose="020F0502020204030204" pitchFamily="34" charset="0"/>
+              </a:rPr>
+              <a:t>gian</a:t>
             </a:r>
             <a:endParaRPr lang="en-US" sz="4000" b="1" dirty="0">
               <a:solidFill>
@@ -4195,37 +4338,81 @@
               <a:buNone/>
             </a:pPr>
             <a:r>
-              <a:rPr lang="vi-VN" sz="4000" b="1" dirty="0">
-                <a:solidFill>
-                  <a:srgbClr val="660033"/>
-                </a:solidFill>
-                <a:latin typeface="Calibri" panose="020F0502020204030204" pitchFamily="34" charset="0"/>
-                <a:ea typeface="微軟正黑體" pitchFamily="34" charset="-120"/>
-                <a:cs typeface="Calibri" panose="020F0502020204030204" pitchFamily="34" charset="0"/>
-              </a:rPr>
-              <a:t>Tình yêu Ngài thôi thúc con </a:t>
-            </a:r>
-            <a:r>
-              <a:rPr lang="vi-VN" sz="4000" b="1" dirty="0">
-                <a:solidFill>
-                  <a:srgbClr val="660033"/>
-                </a:solidFill>
-                <a:latin typeface="Calibri" panose="020F0502020204030204" pitchFamily="34" charset="0"/>
-                <a:ea typeface="微軟正黑體" pitchFamily="34" charset="-120"/>
-                <a:cs typeface="Calibri" panose="020F0502020204030204" pitchFamily="34" charset="0"/>
-              </a:rPr>
-              <a:t>nên </a:t>
-            </a:r>
-            <a:r>
-              <a:rPr lang="vi-VN" sz="4000" b="1" dirty="0">
-                <a:solidFill>
-                  <a:srgbClr val="660033"/>
-                </a:solidFill>
-                <a:latin typeface="Calibri" panose="020F0502020204030204" pitchFamily="34" charset="0"/>
-                <a:ea typeface="微軟正黑體" pitchFamily="34" charset="-120"/>
-                <a:cs typeface="Calibri" panose="020F0502020204030204" pitchFamily="34" charset="0"/>
-              </a:rPr>
-              <a:t>người</a:t>
+              <a:rPr lang="en-US" sz="4000" b="1" dirty="0" err="1" smtClean="0">
+                <a:solidFill>
+                  <a:srgbClr val="660033"/>
+                </a:solidFill>
+                <a:latin typeface="Calibri" panose="020F0502020204030204" pitchFamily="34" charset="0"/>
+                <a:ea typeface="微軟正黑體" pitchFamily="34" charset="-120"/>
+                <a:cs typeface="Calibri" panose="020F0502020204030204" pitchFamily="34" charset="0"/>
+              </a:rPr>
+              <a:t>Dạy</a:t>
+            </a:r>
+            <a:r>
+              <a:rPr lang="en-US" sz="4000" b="1" dirty="0" smtClean="0">
+                <a:solidFill>
+                  <a:srgbClr val="660033"/>
+                </a:solidFill>
+                <a:latin typeface="Calibri" panose="020F0502020204030204" pitchFamily="34" charset="0"/>
+                <a:ea typeface="微軟正黑體" pitchFamily="34" charset="-120"/>
+                <a:cs typeface="Calibri" panose="020F0502020204030204" pitchFamily="34" charset="0"/>
+              </a:rPr>
+              <a:t> </a:t>
+            </a:r>
+            <a:r>
+              <a:rPr lang="en-US" sz="4000" b="1" dirty="0" err="1">
+                <a:solidFill>
+                  <a:srgbClr val="660033"/>
+                </a:solidFill>
+                <a:latin typeface="Calibri" panose="020F0502020204030204" pitchFamily="34" charset="0"/>
+                <a:ea typeface="微軟正黑體" pitchFamily="34" charset="-120"/>
+                <a:cs typeface="Calibri" panose="020F0502020204030204" pitchFamily="34" charset="0"/>
+              </a:rPr>
+              <a:t>chúng</a:t>
+            </a:r>
+            <a:r>
+              <a:rPr lang="en-US" sz="4000" b="1" dirty="0">
+                <a:solidFill>
+                  <a:srgbClr val="660033"/>
+                </a:solidFill>
+                <a:latin typeface="Calibri" panose="020F0502020204030204" pitchFamily="34" charset="0"/>
+                <a:ea typeface="微軟正黑體" pitchFamily="34" charset="-120"/>
+                <a:cs typeface="Calibri" panose="020F0502020204030204" pitchFamily="34" charset="0"/>
+              </a:rPr>
+              <a:t> ta </a:t>
+            </a:r>
+            <a:r>
+              <a:rPr lang="en-US" sz="4000" b="1" dirty="0" err="1">
+                <a:solidFill>
+                  <a:srgbClr val="660033"/>
+                </a:solidFill>
+                <a:latin typeface="Calibri" panose="020F0502020204030204" pitchFamily="34" charset="0"/>
+                <a:ea typeface="微軟正黑體" pitchFamily="34" charset="-120"/>
+                <a:cs typeface="Calibri" panose="020F0502020204030204" pitchFamily="34" charset="0"/>
+              </a:rPr>
+              <a:t>cách</a:t>
+            </a:r>
+            <a:r>
+              <a:rPr lang="en-US" sz="4000" b="1" dirty="0">
+                <a:solidFill>
+                  <a:srgbClr val="660033"/>
+                </a:solidFill>
+                <a:latin typeface="Calibri" panose="020F0502020204030204" pitchFamily="34" charset="0"/>
+                <a:ea typeface="微軟正黑體" pitchFamily="34" charset="-120"/>
+                <a:cs typeface="Calibri" panose="020F0502020204030204" pitchFamily="34" charset="0"/>
+              </a:rPr>
+              <a:t> </a:t>
+            </a:r>
+            <a:r>
+              <a:rPr lang="en-US" sz="4000" b="1" dirty="0" err="1">
+                <a:solidFill>
+                  <a:srgbClr val="660033"/>
+                </a:solidFill>
+                <a:latin typeface="Calibri" panose="020F0502020204030204" pitchFamily="34" charset="0"/>
+                <a:ea typeface="微軟正黑體" pitchFamily="34" charset="-120"/>
+                <a:cs typeface="Calibri" panose="020F0502020204030204" pitchFamily="34" charset="0"/>
+              </a:rPr>
+              <a:t>sống</a:t>
             </a:r>
             <a:endParaRPr lang="en-US" sz="4000" b="1" dirty="0">
               <a:solidFill>
@@ -4546,6 +4733,17 @@
               <a:buNone/>
             </a:pPr>
             <a:r>
+              <a:rPr lang="en-US" sz="4000" b="1" dirty="0">
+                <a:solidFill>
+                  <a:srgbClr val="660033"/>
+                </a:solidFill>
+                <a:latin typeface="Calibri" panose="020F0502020204030204" pitchFamily="34" charset="0"/>
+                <a:ea typeface="微軟正黑體" pitchFamily="34" charset="-120"/>
+                <a:cs typeface="Calibri" panose="020F0502020204030204" pitchFamily="34" charset="0"/>
+              </a:rPr>
+              <a:t>D</a:t>
+            </a:r>
+            <a:r>
               <a:rPr lang="vi-VN" sz="4000" b="1" dirty="0">
                 <a:solidFill>
                   <a:srgbClr val="660033"/>
@@ -4554,7 +4752,150 @@
                 <a:ea typeface="微軟正黑體" pitchFamily="34" charset="-120"/>
                 <a:cs typeface="Calibri" panose="020F0502020204030204" pitchFamily="34" charset="0"/>
               </a:rPr>
-              <a:t>Bất luận ra sao tình yêu Ngài không hề thay đổi</a:t>
+              <a:t>ù hoàn cảnh ra sao, </a:t>
+            </a:r>
+            <a:r>
+              <a:rPr lang="en-US" sz="4000" b="1" dirty="0" err="1">
+                <a:solidFill>
+                  <a:srgbClr val="660033"/>
+                </a:solidFill>
+                <a:latin typeface="Calibri" panose="020F0502020204030204" pitchFamily="34" charset="0"/>
+                <a:ea typeface="微軟正黑體" pitchFamily="34" charset="-120"/>
+                <a:cs typeface="Calibri" panose="020F0502020204030204" pitchFamily="34" charset="0"/>
+              </a:rPr>
+              <a:t>tình</a:t>
+            </a:r>
+            <a:r>
+              <a:rPr lang="en-US" sz="4000" b="1" dirty="0">
+                <a:solidFill>
+                  <a:srgbClr val="660033"/>
+                </a:solidFill>
+                <a:latin typeface="Calibri" panose="020F0502020204030204" pitchFamily="34" charset="0"/>
+                <a:ea typeface="微軟正黑體" pitchFamily="34" charset="-120"/>
+                <a:cs typeface="Calibri" panose="020F0502020204030204" pitchFamily="34" charset="0"/>
+              </a:rPr>
+              <a:t> </a:t>
+            </a:r>
+            <a:r>
+              <a:rPr lang="en-US" sz="4000" b="1" dirty="0" err="1">
+                <a:solidFill>
+                  <a:srgbClr val="660033"/>
+                </a:solidFill>
+                <a:latin typeface="Calibri" panose="020F0502020204030204" pitchFamily="34" charset="0"/>
+                <a:ea typeface="微軟正黑體" pitchFamily="34" charset="-120"/>
+                <a:cs typeface="Calibri" panose="020F0502020204030204" pitchFamily="34" charset="0"/>
+              </a:rPr>
+              <a:t>yêu</a:t>
+            </a:r>
+            <a:r>
+              <a:rPr lang="en-US" sz="4000" b="1" dirty="0">
+                <a:solidFill>
+                  <a:srgbClr val="660033"/>
+                </a:solidFill>
+                <a:latin typeface="Calibri" panose="020F0502020204030204" pitchFamily="34" charset="0"/>
+                <a:ea typeface="微軟正黑體" pitchFamily="34" charset="-120"/>
+                <a:cs typeface="Calibri" panose="020F0502020204030204" pitchFamily="34" charset="0"/>
+              </a:rPr>
+              <a:t> </a:t>
+            </a:r>
+            <a:r>
+              <a:rPr lang="en-US" sz="4000" b="1" dirty="0" err="1">
+                <a:solidFill>
+                  <a:srgbClr val="660033"/>
+                </a:solidFill>
+                <a:latin typeface="Calibri" panose="020F0502020204030204" pitchFamily="34" charset="0"/>
+                <a:ea typeface="微軟正黑體" pitchFamily="34" charset="-120"/>
+                <a:cs typeface="Calibri" panose="020F0502020204030204" pitchFamily="34" charset="0"/>
+              </a:rPr>
+              <a:t>Chúa</a:t>
+            </a:r>
+            <a:r>
+              <a:rPr lang="en-US" sz="4000" b="1" dirty="0">
+                <a:solidFill>
+                  <a:srgbClr val="660033"/>
+                </a:solidFill>
+                <a:latin typeface="Calibri" panose="020F0502020204030204" pitchFamily="34" charset="0"/>
+                <a:ea typeface="微軟正黑體" pitchFamily="34" charset="-120"/>
+                <a:cs typeface="Calibri" panose="020F0502020204030204" pitchFamily="34" charset="0"/>
+              </a:rPr>
+              <a:t> </a:t>
+            </a:r>
+            <a:r>
+              <a:rPr lang="en-US" sz="4000" b="1" dirty="0" err="1">
+                <a:solidFill>
+                  <a:srgbClr val="660033"/>
+                </a:solidFill>
+                <a:latin typeface="Calibri" panose="020F0502020204030204" pitchFamily="34" charset="0"/>
+                <a:ea typeface="微軟正黑體" pitchFamily="34" charset="-120"/>
+                <a:cs typeface="Calibri" panose="020F0502020204030204" pitchFamily="34" charset="0"/>
+              </a:rPr>
+              <a:t>không</a:t>
+            </a:r>
+            <a:r>
+              <a:rPr lang="en-US" sz="4000" b="1" dirty="0">
+                <a:solidFill>
+                  <a:srgbClr val="660033"/>
+                </a:solidFill>
+                <a:latin typeface="Calibri" panose="020F0502020204030204" pitchFamily="34" charset="0"/>
+                <a:ea typeface="微軟正黑體" pitchFamily="34" charset="-120"/>
+                <a:cs typeface="Calibri" panose="020F0502020204030204" pitchFamily="34" charset="0"/>
+              </a:rPr>
+              <a:t> </a:t>
+            </a:r>
+            <a:r>
+              <a:rPr lang="en-US" sz="4000" b="1" dirty="0" err="1">
+                <a:solidFill>
+                  <a:srgbClr val="660033"/>
+                </a:solidFill>
+                <a:latin typeface="Calibri" panose="020F0502020204030204" pitchFamily="34" charset="0"/>
+                <a:ea typeface="微軟正黑體" pitchFamily="34" charset="-120"/>
+                <a:cs typeface="Calibri" panose="020F0502020204030204" pitchFamily="34" charset="0"/>
+              </a:rPr>
+              <a:t>hề</a:t>
+            </a:r>
+            <a:r>
+              <a:rPr lang="en-US" sz="4000" b="1" dirty="0">
+                <a:solidFill>
+                  <a:srgbClr val="660033"/>
+                </a:solidFill>
+                <a:latin typeface="Calibri" panose="020F0502020204030204" pitchFamily="34" charset="0"/>
+                <a:ea typeface="微軟正黑體" pitchFamily="34" charset="-120"/>
+                <a:cs typeface="Calibri" panose="020F0502020204030204" pitchFamily="34" charset="0"/>
+              </a:rPr>
+              <a:t> </a:t>
+            </a:r>
+            <a:r>
+              <a:rPr lang="en-US" sz="4000" b="1" dirty="0" err="1">
+                <a:solidFill>
+                  <a:srgbClr val="660033"/>
+                </a:solidFill>
+                <a:latin typeface="Calibri" panose="020F0502020204030204" pitchFamily="34" charset="0"/>
+                <a:ea typeface="微軟正黑體" pitchFamily="34" charset="-120"/>
+                <a:cs typeface="Calibri" panose="020F0502020204030204" pitchFamily="34" charset="0"/>
+              </a:rPr>
+              <a:t>thay</a:t>
+            </a:r>
+            <a:r>
+              <a:rPr lang="en-US" sz="4000" b="1" dirty="0">
+                <a:solidFill>
+                  <a:srgbClr val="660033"/>
+                </a:solidFill>
+                <a:latin typeface="Calibri" panose="020F0502020204030204" pitchFamily="34" charset="0"/>
+                <a:ea typeface="微軟正黑體" pitchFamily="34" charset="-120"/>
+                <a:cs typeface="Calibri" panose="020F0502020204030204" pitchFamily="34" charset="0"/>
+              </a:rPr>
+              <a:t> </a:t>
+            </a:r>
+            <a:r>
+              <a:rPr lang="en-US" sz="4000" b="1" dirty="0" err="1">
+                <a:solidFill>
+                  <a:srgbClr val="660033"/>
+                </a:solidFill>
+                <a:latin typeface="Calibri" panose="020F0502020204030204" pitchFamily="34" charset="0"/>
+                <a:ea typeface="微軟正黑體" pitchFamily="34" charset="-120"/>
+                <a:cs typeface="Calibri" panose="020F0502020204030204" pitchFamily="34" charset="0"/>
+              </a:rPr>
+              <a:t>đổi</a:t>
             </a:r>
             <a:endParaRPr lang="en-US" sz="4000" b="1" dirty="0">
               <a:solidFill>
@@ -4875,15 +5216,125 @@
               <a:buNone/>
             </a:pPr>
             <a:r>
-              <a:rPr lang="vi-VN" sz="4000" b="1" dirty="0">
-                <a:solidFill>
-                  <a:srgbClr val="660033"/>
-                </a:solidFill>
-                <a:latin typeface="Calibri" panose="020F0502020204030204" pitchFamily="34" charset="0"/>
-                <a:ea typeface="微軟正黑體" pitchFamily="34" charset="-120"/>
-                <a:cs typeface="Calibri" panose="020F0502020204030204" pitchFamily="34" charset="0"/>
-              </a:rPr>
-              <a:t>Và khiến con luôn cảm thấy ấm áp</a:t>
+              <a:rPr lang="en-US" sz="4000" b="1" dirty="0" err="1">
+                <a:solidFill>
+                  <a:srgbClr val="660033"/>
+                </a:solidFill>
+                <a:latin typeface="Calibri" panose="020F0502020204030204" pitchFamily="34" charset="0"/>
+                <a:ea typeface="微軟正黑體" pitchFamily="34" charset="-120"/>
+                <a:cs typeface="Calibri" panose="020F0502020204030204" pitchFamily="34" charset="0"/>
+              </a:rPr>
+              <a:t>Luôn</a:t>
+            </a:r>
+            <a:r>
+              <a:rPr lang="en-US" sz="4000" b="1" dirty="0">
+                <a:solidFill>
+                  <a:srgbClr val="660033"/>
+                </a:solidFill>
+                <a:latin typeface="Calibri" panose="020F0502020204030204" pitchFamily="34" charset="0"/>
+                <a:ea typeface="微軟正黑體" pitchFamily="34" charset="-120"/>
+                <a:cs typeface="Calibri" panose="020F0502020204030204" pitchFamily="34" charset="0"/>
+              </a:rPr>
+              <a:t> </a:t>
+            </a:r>
+            <a:r>
+              <a:rPr lang="en-US" sz="4000" b="1" dirty="0" err="1">
+                <a:solidFill>
+                  <a:srgbClr val="660033"/>
+                </a:solidFill>
+                <a:latin typeface="Calibri" panose="020F0502020204030204" pitchFamily="34" charset="0"/>
+                <a:ea typeface="微軟正黑體" pitchFamily="34" charset="-120"/>
+                <a:cs typeface="Calibri" panose="020F0502020204030204" pitchFamily="34" charset="0"/>
+              </a:rPr>
+              <a:t>khiến</a:t>
+            </a:r>
+            <a:r>
+              <a:rPr lang="en-US" sz="4000" b="1" dirty="0">
+                <a:solidFill>
+                  <a:srgbClr val="660033"/>
+                </a:solidFill>
+                <a:latin typeface="Calibri" panose="020F0502020204030204" pitchFamily="34" charset="0"/>
+                <a:ea typeface="微軟正黑體" pitchFamily="34" charset="-120"/>
+                <a:cs typeface="Calibri" panose="020F0502020204030204" pitchFamily="34" charset="0"/>
+              </a:rPr>
+              <a:t> </a:t>
+            </a:r>
+            <a:r>
+              <a:rPr lang="en-US" sz="4000" b="1" dirty="0" err="1">
+                <a:solidFill>
+                  <a:srgbClr val="660033"/>
+                </a:solidFill>
+                <a:latin typeface="Calibri" panose="020F0502020204030204" pitchFamily="34" charset="0"/>
+                <a:ea typeface="微軟正黑體" pitchFamily="34" charset="-120"/>
+                <a:cs typeface="Calibri" panose="020F0502020204030204" pitchFamily="34" charset="0"/>
+              </a:rPr>
+              <a:t>lòng</a:t>
+            </a:r>
+            <a:r>
+              <a:rPr lang="en-US" sz="4000" b="1" dirty="0">
+                <a:solidFill>
+                  <a:srgbClr val="660033"/>
+                </a:solidFill>
+                <a:latin typeface="Calibri" panose="020F0502020204030204" pitchFamily="34" charset="0"/>
+                <a:ea typeface="微軟正黑體" pitchFamily="34" charset="-120"/>
+                <a:cs typeface="Calibri" panose="020F0502020204030204" pitchFamily="34" charset="0"/>
+              </a:rPr>
+              <a:t> </a:t>
+            </a:r>
+            <a:r>
+              <a:rPr lang="en-US" sz="4000" b="1" dirty="0" err="1">
+                <a:solidFill>
+                  <a:srgbClr val="660033"/>
+                </a:solidFill>
+                <a:latin typeface="Calibri" panose="020F0502020204030204" pitchFamily="34" charset="0"/>
+                <a:ea typeface="微軟正黑體" pitchFamily="34" charset="-120"/>
+                <a:cs typeface="Calibri" panose="020F0502020204030204" pitchFamily="34" charset="0"/>
+              </a:rPr>
+              <a:t>tôi</a:t>
+            </a:r>
+            <a:r>
+              <a:rPr lang="en-US" sz="4000" b="1" dirty="0">
+                <a:solidFill>
+                  <a:srgbClr val="660033"/>
+                </a:solidFill>
+                <a:latin typeface="Calibri" panose="020F0502020204030204" pitchFamily="34" charset="0"/>
+                <a:ea typeface="微軟正黑體" pitchFamily="34" charset="-120"/>
+                <a:cs typeface="Calibri" panose="020F0502020204030204" pitchFamily="34" charset="0"/>
+              </a:rPr>
+              <a:t> </a:t>
+            </a:r>
+            <a:r>
+              <a:rPr lang="en-US" sz="4000" b="1" dirty="0" err="1">
+                <a:solidFill>
+                  <a:srgbClr val="660033"/>
+                </a:solidFill>
+                <a:latin typeface="Calibri" panose="020F0502020204030204" pitchFamily="34" charset="0"/>
+                <a:ea typeface="微軟正黑體" pitchFamily="34" charset="-120"/>
+                <a:cs typeface="Calibri" panose="020F0502020204030204" pitchFamily="34" charset="0"/>
+              </a:rPr>
+              <a:t>ấm</a:t>
+            </a:r>
+            <a:r>
+              <a:rPr lang="en-US" sz="4000" b="1" dirty="0">
+                <a:solidFill>
+                  <a:srgbClr val="660033"/>
+                </a:solidFill>
+                <a:latin typeface="Calibri" panose="020F0502020204030204" pitchFamily="34" charset="0"/>
+                <a:ea typeface="微軟正黑體" pitchFamily="34" charset="-120"/>
+                <a:cs typeface="Calibri" panose="020F0502020204030204" pitchFamily="34" charset="0"/>
+              </a:rPr>
+              <a:t> </a:t>
+            </a:r>
+            <a:r>
+              <a:rPr lang="en-US" sz="4000" b="1" dirty="0" err="1">
+                <a:solidFill>
+                  <a:srgbClr val="660033"/>
+                </a:solidFill>
+                <a:latin typeface="Calibri" panose="020F0502020204030204" pitchFamily="34" charset="0"/>
+                <a:ea typeface="微軟正黑體" pitchFamily="34" charset="-120"/>
+                <a:cs typeface="Calibri" panose="020F0502020204030204" pitchFamily="34" charset="0"/>
+              </a:rPr>
+              <a:t>áp</a:t>
             </a:r>
             <a:endParaRPr lang="en-US" sz="4000" b="1" dirty="0">
               <a:solidFill>
@@ -5036,45 +5487,8 @@
                 <a:latin typeface="微軟正黑體" pitchFamily="34" charset="-120"/>
                 <a:ea typeface="微軟正黑體" pitchFamily="34" charset="-120"/>
               </a:rPr>
-              <a:t>基督的愛像</a:t>
-            </a:r>
-            <a:r>
-              <a:rPr lang="zh-TW" altLang="en-US" sz="6400" b="1" dirty="0">
-                <a:solidFill>
-                  <a:srgbClr val="000066"/>
-                </a:solidFill>
-                <a:latin typeface="微軟正黑體" pitchFamily="34" charset="-120"/>
-                <a:ea typeface="微軟正黑體" pitchFamily="34" charset="-120"/>
-              </a:rPr>
-              <a:t>是  </a:t>
-            </a:r>
-            <a:r>
-              <a:rPr lang="zh-TW" altLang="en-US" sz="6400" b="1" dirty="0">
-                <a:solidFill>
-                  <a:srgbClr val="000066"/>
-                </a:solidFill>
-                <a:latin typeface="微軟正黑體" pitchFamily="34" charset="-120"/>
-                <a:ea typeface="微軟正黑體" pitchFamily="34" charset="-120"/>
-              </a:rPr>
-              <a:t>漆黑裡導航亮</a:t>
-            </a:r>
-            <a:r>
-              <a:rPr lang="zh-TW" altLang="en-US" sz="6400" b="1" dirty="0">
-                <a:solidFill>
-                  <a:srgbClr val="000066"/>
-                </a:solidFill>
-                <a:latin typeface="微軟正黑體" pitchFamily="34" charset="-120"/>
-                <a:ea typeface="微軟正黑體" pitchFamily="34" charset="-120"/>
-              </a:rPr>
-              <a:t>光</a:t>
-            </a:r>
-            <a:endParaRPr lang="zh-TW" altLang="en-US" sz="6400" b="1" dirty="0">
-              <a:solidFill>
-                <a:srgbClr val="000066"/>
-              </a:solidFill>
-              <a:latin typeface="微軟正黑體" pitchFamily="34" charset="-120"/>
-              <a:ea typeface="微軟正黑體" pitchFamily="34" charset="-120"/>
-            </a:endParaRPr>
+              <a:t>基督的愛像是  漆黑裡導航亮光</a:t>
+            </a:r>
           </a:p>
         </p:txBody>
       </p:sp>
@@ -5241,17 +5655,259 @@
               <a:buNone/>
             </a:pPr>
             <a:r>
-              <a:rPr lang="vi-VN" sz="4000" b="1" dirty="0">
-                <a:solidFill>
-                  <a:srgbClr val="660033"/>
-                </a:solidFill>
-                <a:latin typeface="Calibri" panose="020F0502020204030204" pitchFamily="34" charset="0"/>
-                <a:ea typeface="微軟正黑體" pitchFamily="34" charset="-120"/>
-                <a:cs typeface="Calibri" panose="020F0502020204030204" pitchFamily="34" charset="0"/>
-              </a:rPr>
-              <a:t>Tình yêu Chúa giống ngọn đèn soi sáng nơi tối tăm</a:t>
-            </a:r>
-            <a:endParaRPr lang="en-US" sz="4000" b="1" dirty="0">
+              <a:rPr lang="en-US" sz="3200" b="1" dirty="0" err="1">
+                <a:solidFill>
+                  <a:srgbClr val="660033"/>
+                </a:solidFill>
+                <a:latin typeface="Calibri" panose="020F0502020204030204" pitchFamily="34" charset="0"/>
+                <a:ea typeface="微軟正黑體" pitchFamily="34" charset="-120"/>
+                <a:cs typeface="Calibri" panose="020F0502020204030204" pitchFamily="34" charset="0"/>
+              </a:rPr>
+              <a:t>Tình</a:t>
+            </a:r>
+            <a:r>
+              <a:rPr lang="en-US" sz="3200" b="1" dirty="0">
+                <a:solidFill>
+                  <a:srgbClr val="660033"/>
+                </a:solidFill>
+                <a:latin typeface="Calibri" panose="020F0502020204030204" pitchFamily="34" charset="0"/>
+                <a:ea typeface="微軟正黑體" pitchFamily="34" charset="-120"/>
+                <a:cs typeface="Calibri" panose="020F0502020204030204" pitchFamily="34" charset="0"/>
+              </a:rPr>
+              <a:t> </a:t>
+            </a:r>
+            <a:r>
+              <a:rPr lang="en-US" sz="3200" b="1" dirty="0" err="1">
+                <a:solidFill>
+                  <a:srgbClr val="660033"/>
+                </a:solidFill>
+                <a:latin typeface="Calibri" panose="020F0502020204030204" pitchFamily="34" charset="0"/>
+                <a:ea typeface="微軟正黑體" pitchFamily="34" charset="-120"/>
+                <a:cs typeface="Calibri" panose="020F0502020204030204" pitchFamily="34" charset="0"/>
+              </a:rPr>
+              <a:t>yêu</a:t>
+            </a:r>
+            <a:r>
+              <a:rPr lang="en-US" sz="3200" b="1" dirty="0">
+                <a:solidFill>
+                  <a:srgbClr val="660033"/>
+                </a:solidFill>
+                <a:latin typeface="Calibri" panose="020F0502020204030204" pitchFamily="34" charset="0"/>
+                <a:ea typeface="微軟正黑體" pitchFamily="34" charset="-120"/>
+                <a:cs typeface="Calibri" panose="020F0502020204030204" pitchFamily="34" charset="0"/>
+              </a:rPr>
+              <a:t> </a:t>
+            </a:r>
+            <a:r>
+              <a:rPr lang="en-US" sz="3200" b="1" dirty="0" err="1">
+                <a:solidFill>
+                  <a:srgbClr val="660033"/>
+                </a:solidFill>
+                <a:latin typeface="Calibri" panose="020F0502020204030204" pitchFamily="34" charset="0"/>
+                <a:ea typeface="微軟正黑體" pitchFamily="34" charset="-120"/>
+                <a:cs typeface="Calibri" panose="020F0502020204030204" pitchFamily="34" charset="0"/>
+              </a:rPr>
+              <a:t>của</a:t>
+            </a:r>
+            <a:r>
+              <a:rPr lang="en-US" sz="3200" b="1" dirty="0">
+                <a:solidFill>
+                  <a:srgbClr val="660033"/>
+                </a:solidFill>
+                <a:latin typeface="Calibri" panose="020F0502020204030204" pitchFamily="34" charset="0"/>
+                <a:ea typeface="微軟正黑體" pitchFamily="34" charset="-120"/>
+                <a:cs typeface="Calibri" panose="020F0502020204030204" pitchFamily="34" charset="0"/>
+              </a:rPr>
+              <a:t> </a:t>
+            </a:r>
+            <a:r>
+              <a:rPr lang="en-US" sz="3200" b="1" dirty="0" err="1">
+                <a:solidFill>
+                  <a:srgbClr val="660033"/>
+                </a:solidFill>
+                <a:latin typeface="Calibri" panose="020F0502020204030204" pitchFamily="34" charset="0"/>
+                <a:ea typeface="微軟正黑體" pitchFamily="34" charset="-120"/>
+                <a:cs typeface="Calibri" panose="020F0502020204030204" pitchFamily="34" charset="0"/>
+              </a:rPr>
+              <a:t>Đấng</a:t>
+            </a:r>
+            <a:r>
+              <a:rPr lang="en-US" sz="3200" b="1" dirty="0">
+                <a:solidFill>
+                  <a:srgbClr val="660033"/>
+                </a:solidFill>
+                <a:latin typeface="Calibri" panose="020F0502020204030204" pitchFamily="34" charset="0"/>
+                <a:ea typeface="微軟正黑體" pitchFamily="34" charset="-120"/>
+                <a:cs typeface="Calibri" panose="020F0502020204030204" pitchFamily="34" charset="0"/>
+              </a:rPr>
+              <a:t> Christ </a:t>
+            </a:r>
+            <a:r>
+              <a:rPr lang="en-US" sz="3200" b="1" dirty="0" err="1">
+                <a:solidFill>
+                  <a:srgbClr val="660033"/>
+                </a:solidFill>
+                <a:latin typeface="Calibri" panose="020F0502020204030204" pitchFamily="34" charset="0"/>
+                <a:ea typeface="微軟正黑體" pitchFamily="34" charset="-120"/>
+                <a:cs typeface="Calibri" panose="020F0502020204030204" pitchFamily="34" charset="0"/>
+              </a:rPr>
+              <a:t>như</a:t>
+            </a:r>
+            <a:r>
+              <a:rPr lang="en-US" sz="3200" b="1" dirty="0">
+                <a:solidFill>
+                  <a:srgbClr val="660033"/>
+                </a:solidFill>
+                <a:latin typeface="Calibri" panose="020F0502020204030204" pitchFamily="34" charset="0"/>
+                <a:ea typeface="微軟正黑體" pitchFamily="34" charset="-120"/>
+                <a:cs typeface="Calibri" panose="020F0502020204030204" pitchFamily="34" charset="0"/>
+              </a:rPr>
+              <a:t> </a:t>
+            </a:r>
+            <a:r>
+              <a:rPr lang="en-US" sz="3200" b="1" dirty="0" err="1">
+                <a:solidFill>
+                  <a:srgbClr val="660033"/>
+                </a:solidFill>
+                <a:latin typeface="Calibri" panose="020F0502020204030204" pitchFamily="34" charset="0"/>
+                <a:ea typeface="微軟正黑體" pitchFamily="34" charset="-120"/>
+                <a:cs typeface="Calibri" panose="020F0502020204030204" pitchFamily="34" charset="0"/>
+              </a:rPr>
+              <a:t>ánh</a:t>
+            </a:r>
+            <a:r>
+              <a:rPr lang="en-US" sz="3200" b="1" dirty="0">
+                <a:solidFill>
+                  <a:srgbClr val="660033"/>
+                </a:solidFill>
+                <a:latin typeface="Calibri" panose="020F0502020204030204" pitchFamily="34" charset="0"/>
+                <a:ea typeface="微軟正黑體" pitchFamily="34" charset="-120"/>
+                <a:cs typeface="Calibri" panose="020F0502020204030204" pitchFamily="34" charset="0"/>
+              </a:rPr>
+              <a:t> </a:t>
+            </a:r>
+            <a:r>
+              <a:rPr lang="en-US" sz="3200" b="1" dirty="0" err="1">
+                <a:solidFill>
+                  <a:srgbClr val="660033"/>
+                </a:solidFill>
+                <a:latin typeface="Calibri" panose="020F0502020204030204" pitchFamily="34" charset="0"/>
+                <a:ea typeface="微軟正黑體" pitchFamily="34" charset="-120"/>
+                <a:cs typeface="Calibri" panose="020F0502020204030204" pitchFamily="34" charset="0"/>
+              </a:rPr>
+              <a:t>sáng</a:t>
+            </a:r>
+            <a:r>
+              <a:rPr lang="en-US" sz="3200" b="1" dirty="0">
+                <a:solidFill>
+                  <a:srgbClr val="660033"/>
+                </a:solidFill>
+                <a:latin typeface="Calibri" panose="020F0502020204030204" pitchFamily="34" charset="0"/>
+                <a:ea typeface="微軟正黑體" pitchFamily="34" charset="-120"/>
+                <a:cs typeface="Calibri" panose="020F0502020204030204" pitchFamily="34" charset="0"/>
+              </a:rPr>
+              <a:t> </a:t>
+            </a:r>
+            <a:r>
+              <a:rPr lang="en-US" sz="3200" b="1" dirty="0" err="1">
+                <a:solidFill>
+                  <a:srgbClr val="660033"/>
+                </a:solidFill>
+                <a:latin typeface="Calibri" panose="020F0502020204030204" pitchFamily="34" charset="0"/>
+                <a:ea typeface="微軟正黑體" pitchFamily="34" charset="-120"/>
+                <a:cs typeface="Calibri" panose="020F0502020204030204" pitchFamily="34" charset="0"/>
+              </a:rPr>
+              <a:t>soi</a:t>
+            </a:r>
+            <a:r>
+              <a:rPr lang="en-US" sz="3200" b="1" dirty="0">
+                <a:solidFill>
+                  <a:srgbClr val="660033"/>
+                </a:solidFill>
+                <a:latin typeface="Calibri" panose="020F0502020204030204" pitchFamily="34" charset="0"/>
+                <a:ea typeface="微軟正黑體" pitchFamily="34" charset="-120"/>
+                <a:cs typeface="Calibri" panose="020F0502020204030204" pitchFamily="34" charset="0"/>
+              </a:rPr>
+              <a:t> </a:t>
+            </a:r>
+            <a:r>
+              <a:rPr lang="en-US" sz="3200" b="1" dirty="0" err="1">
+                <a:solidFill>
+                  <a:srgbClr val="660033"/>
+                </a:solidFill>
+                <a:latin typeface="Calibri" panose="020F0502020204030204" pitchFamily="34" charset="0"/>
+                <a:ea typeface="微軟正黑體" pitchFamily="34" charset="-120"/>
+                <a:cs typeface="Calibri" panose="020F0502020204030204" pitchFamily="34" charset="0"/>
+              </a:rPr>
+              <a:t>đường</a:t>
+            </a:r>
+            <a:r>
+              <a:rPr lang="en-US" sz="3200" b="1" dirty="0">
+                <a:solidFill>
+                  <a:srgbClr val="660033"/>
+                </a:solidFill>
+                <a:latin typeface="Calibri" panose="020F0502020204030204" pitchFamily="34" charset="0"/>
+                <a:ea typeface="微軟正黑體" pitchFamily="34" charset="-120"/>
+                <a:cs typeface="Calibri" panose="020F0502020204030204" pitchFamily="34" charset="0"/>
+              </a:rPr>
+              <a:t> </a:t>
+            </a:r>
+            <a:r>
+              <a:rPr lang="en-US" sz="3200" b="1" dirty="0" err="1">
+                <a:solidFill>
+                  <a:srgbClr val="660033"/>
+                </a:solidFill>
+                <a:latin typeface="Calibri" panose="020F0502020204030204" pitchFamily="34" charset="0"/>
+                <a:ea typeface="微軟正黑體" pitchFamily="34" charset="-120"/>
+                <a:cs typeface="Calibri" panose="020F0502020204030204" pitchFamily="34" charset="0"/>
+              </a:rPr>
+              <a:t>trong</a:t>
+            </a:r>
+            <a:r>
+              <a:rPr lang="en-US" sz="3200" b="1" dirty="0">
+                <a:solidFill>
+                  <a:srgbClr val="660033"/>
+                </a:solidFill>
+                <a:latin typeface="Calibri" panose="020F0502020204030204" pitchFamily="34" charset="0"/>
+                <a:ea typeface="微軟正黑體" pitchFamily="34" charset="-120"/>
+                <a:cs typeface="Calibri" panose="020F0502020204030204" pitchFamily="34" charset="0"/>
+              </a:rPr>
+              <a:t> </a:t>
+            </a:r>
+            <a:r>
+              <a:rPr lang="en-US" sz="3200" b="1" dirty="0" err="1">
+                <a:solidFill>
+                  <a:srgbClr val="660033"/>
+                </a:solidFill>
+                <a:latin typeface="Calibri" panose="020F0502020204030204" pitchFamily="34" charset="0"/>
+                <a:ea typeface="微軟正黑體" pitchFamily="34" charset="-120"/>
+                <a:cs typeface="Calibri" panose="020F0502020204030204" pitchFamily="34" charset="0"/>
+              </a:rPr>
+              <a:t>đêm</a:t>
+            </a:r>
+            <a:r>
+              <a:rPr lang="en-US" sz="3200" b="1" dirty="0">
+                <a:solidFill>
+                  <a:srgbClr val="660033"/>
+                </a:solidFill>
+                <a:latin typeface="Calibri" panose="020F0502020204030204" pitchFamily="34" charset="0"/>
+                <a:ea typeface="微軟正黑體" pitchFamily="34" charset="-120"/>
+                <a:cs typeface="Calibri" panose="020F0502020204030204" pitchFamily="34" charset="0"/>
+              </a:rPr>
+              <a:t> </a:t>
+            </a:r>
+            <a:r>
+              <a:rPr lang="en-US" sz="3200" b="1" dirty="0" err="1">
+                <a:solidFill>
+                  <a:srgbClr val="660033"/>
+                </a:solidFill>
+                <a:latin typeface="Calibri" panose="020F0502020204030204" pitchFamily="34" charset="0"/>
+                <a:ea typeface="微軟正黑體" pitchFamily="34" charset="-120"/>
+                <a:cs typeface="Calibri" panose="020F0502020204030204" pitchFamily="34" charset="0"/>
+              </a:rPr>
+              <a:t>tối</a:t>
+            </a:r>
+            <a:endParaRPr lang="en-US" sz="3200" b="1" dirty="0">
               <a:solidFill>
                 <a:srgbClr val="660033"/>
               </a:solidFill>
@@ -5610,39 +6266,28 @@
               <a:buNone/>
             </a:pPr>
             <a:r>
-              <a:rPr lang="vi-VN" sz="3200" b="1" dirty="0">
-                <a:solidFill>
-                  <a:srgbClr val="660033"/>
-                </a:solidFill>
-                <a:latin typeface="Calibri" panose="020F0502020204030204" pitchFamily="34" charset="0"/>
-                <a:ea typeface="微軟正黑體" pitchFamily="34" charset="-120"/>
-                <a:cs typeface="Calibri" panose="020F0502020204030204" pitchFamily="34" charset="0"/>
-              </a:rPr>
-              <a:t>Cuộc đời gánh thay tội cho tha </a:t>
-            </a:r>
-            <a:r>
-              <a:rPr lang="vi-VN" sz="3200" b="1" dirty="0" smtClean="0">
-                <a:solidFill>
-                  <a:srgbClr val="660033"/>
-                </a:solidFill>
-                <a:latin typeface="Calibri" panose="020F0502020204030204" pitchFamily="34" charset="0"/>
-                <a:ea typeface="微軟正黑體" pitchFamily="34" charset="-120"/>
-                <a:cs typeface="Calibri" panose="020F0502020204030204" pitchFamily="34" charset="0"/>
-              </a:rPr>
-              <a:t>nhân, </a:t>
-            </a:r>
-            <a:r>
-              <a:rPr lang="vi-VN" sz="3200" b="1" dirty="0">
-                <a:solidFill>
-                  <a:srgbClr val="660033"/>
-                </a:solidFill>
-                <a:latin typeface="Calibri" panose="020F0502020204030204" pitchFamily="34" charset="0"/>
-                <a:ea typeface="微軟正黑體" pitchFamily="34" charset="-120"/>
-                <a:cs typeface="Calibri" panose="020F0502020204030204" pitchFamily="34" charset="0"/>
-              </a:rPr>
-              <a:t>Ngài quan tâm bảo vệ những người tin nơi Ngài</a:t>
-            </a:r>
-            <a:endParaRPr lang="en-US" sz="3200" b="1" dirty="0">
+              <a:rPr lang="vi-VN" sz="3600" b="1" dirty="0">
+                <a:solidFill>
+                  <a:srgbClr val="660033"/>
+                </a:solidFill>
+                <a:latin typeface="Calibri" panose="020F0502020204030204" pitchFamily="34" charset="0"/>
+                <a:ea typeface="微軟正黑體" pitchFamily="34" charset="-120"/>
+                <a:cs typeface="Calibri" panose="020F0502020204030204" pitchFamily="34" charset="0"/>
+              </a:rPr>
+              <a:t>Chúa chết thay vì tội nhân và yêu thương con cái của </a:t>
+            </a:r>
+            <a:r>
+              <a:rPr lang="vi-VN" sz="3600" b="1" dirty="0" smtClean="0">
+                <a:solidFill>
+                  <a:srgbClr val="660033"/>
+                </a:solidFill>
+                <a:latin typeface="Calibri" panose="020F0502020204030204" pitchFamily="34" charset="0"/>
+                <a:ea typeface="微軟正黑體" pitchFamily="34" charset="-120"/>
+                <a:cs typeface="Calibri" panose="020F0502020204030204" pitchFamily="34" charset="0"/>
+              </a:rPr>
+              <a:t>Ngài</a:t>
+            </a:r>
+            <a:endParaRPr lang="en-US" sz="3600" b="1" dirty="0">
               <a:solidFill>
                 <a:srgbClr val="660033"/>
               </a:solidFill>
@@ -5793,25 +6438,8 @@
                 <a:latin typeface="微軟正黑體" pitchFamily="34" charset="-120"/>
                 <a:ea typeface="微軟正黑體" pitchFamily="34" charset="-120"/>
               </a:rPr>
-              <a:t>敬拜上主更兼要虔</a:t>
-            </a:r>
-            <a:r>
-              <a:rPr lang="zh-TW" altLang="en-US" sz="6400" b="1" dirty="0">
-                <a:solidFill>
-                  <a:srgbClr val="000066"/>
-                </a:solidFill>
-                <a:latin typeface="微軟正黑體" pitchFamily="34" charset="-120"/>
-                <a:ea typeface="微軟正黑體" pitchFamily="34" charset="-120"/>
-              </a:rPr>
-              <a:t>誠</a:t>
-            </a:r>
-            <a:endParaRPr lang="zh-TW" altLang="en-US" sz="6400" b="1" dirty="0">
-              <a:solidFill>
-                <a:srgbClr val="000066"/>
-              </a:solidFill>
-              <a:latin typeface="微軟正黑體" pitchFamily="34" charset="-120"/>
-              <a:ea typeface="微軟正黑體" pitchFamily="34" charset="-120"/>
-            </a:endParaRPr>
+              <a:t>敬拜上主更兼要虔誠</a:t>
+            </a:r>
           </a:p>
         </p:txBody>
       </p:sp>
@@ -5986,7 +6614,7 @@
                 <a:ea typeface="微軟正黑體" pitchFamily="34" charset="-120"/>
                 <a:cs typeface="Calibri" panose="020F0502020204030204" pitchFamily="34" charset="0"/>
               </a:rPr>
-              <a:t>Thờ phượng Thiên Chúa, khiêm nhường và kỉnh kiềng</a:t>
+              <a:t>Thờ phượng Chúa với tấm lòng tin kính</a:t>
             </a:r>
             <a:endParaRPr lang="en-US" sz="4000" b="1" dirty="0">
               <a:solidFill>
@@ -6139,7 +6767,17 @@
                 <a:latin typeface="微軟正黑體" pitchFamily="34" charset="-120"/>
                 <a:ea typeface="微軟正黑體" pitchFamily="34" charset="-120"/>
               </a:rPr>
-              <a:t>遵守主</a:t>
+              <a:t>遵守主道</a:t>
+            </a:r>
+            <a:r>
+              <a:rPr lang="vi-VN" altLang="zh-TW" sz="6400" b="1" dirty="0">
+                <a:solidFill>
+                  <a:srgbClr val="000066"/>
+                </a:solidFill>
+                <a:latin typeface="微軟正黑體" pitchFamily="34" charset="-120"/>
+                <a:ea typeface="微軟正黑體" pitchFamily="34" charset="-120"/>
+              </a:rPr>
+              <a:t>  </a:t>
             </a:r>
             <a:r>
               <a:rPr lang="zh-TW" altLang="en-US" sz="6400" b="1" dirty="0">
@@ -6149,37 +6787,7 @@
                 <a:latin typeface="微軟正黑體" pitchFamily="34" charset="-120"/>
                 <a:ea typeface="微軟正黑體" pitchFamily="34" charset="-120"/>
               </a:rPr>
-              <a:t>道</a:t>
-            </a:r>
-            <a:r>
-              <a:rPr lang="vi-VN" altLang="zh-TW" sz="6400" b="1" dirty="0">
-                <a:solidFill>
-                  <a:srgbClr val="000066"/>
-                </a:solidFill>
-                <a:latin typeface="微軟正黑體" pitchFamily="34" charset="-120"/>
-                <a:ea typeface="微軟正黑體" pitchFamily="34" charset="-120"/>
-              </a:rPr>
-              <a:t>  </a:t>
-            </a:r>
-            <a:r>
-              <a:rPr lang="zh-TW" altLang="en-US" sz="6400" b="1" dirty="0">
-                <a:solidFill>
-                  <a:srgbClr val="000066"/>
-                </a:solidFill>
-                <a:latin typeface="微軟正黑體" pitchFamily="34" charset="-120"/>
-                <a:ea typeface="微軟正黑體" pitchFamily="34" charset="-120"/>
-              </a:rPr>
-              <a:t>心</a:t>
-            </a:r>
-            <a:r>
-              <a:rPr lang="zh-TW" altLang="en-US" sz="6400" b="1" dirty="0">
-                <a:solidFill>
-                  <a:srgbClr val="000066"/>
-                </a:solidFill>
-                <a:latin typeface="微軟正黑體" pitchFamily="34" charset="-120"/>
-                <a:ea typeface="微軟正黑體" pitchFamily="34" charset="-120"/>
-              </a:rPr>
-              <a:t>中默禱</a:t>
+              <a:t>心中默禱</a:t>
             </a:r>
           </a:p>
         </p:txBody>
@@ -6355,7 +6963,7 @@
                 <a:ea typeface="微軟正黑體" pitchFamily="34" charset="-120"/>
                 <a:cs typeface="Calibri" panose="020F0502020204030204" pitchFamily="34" charset="0"/>
               </a:rPr>
-              <a:t>Vâng giữ lời Chúa, lòng luôn cầu nguyện</a:t>
+              <a:t>Làm theo lời dạy của Chúa và cầu nguyện với Ngài</a:t>
             </a:r>
             <a:endParaRPr lang="en-US" sz="4000" b="1" dirty="0">
               <a:solidFill>
